--- a/Unit 11/Unit 11 NB BO.pptx
+++ b/Unit 11/Unit 11 NB BO.pptx
@@ -120,6 +120,11 @@
       </a:defRPr>
     </a:lvl9pPr>
   </p:defaultTextStyle>
+  <p:extLst>
+    <p:ext uri="{EFAFB233-063F-42B5-8137-9DF3F51BA10A}">
+      <p15:sldGuideLst xmlns:p15="http://schemas.microsoft.com/office/powerpoint/2012/main"/>
+    </p:ext>
+  </p:extLst>
 </p:presentation>
 </file>
 
@@ -11054,8 +11059,8 @@
           </a:p>
         </p:txBody>
       </p:sp>
-      <mc:AlternateContent xmlns:mc="http://schemas.openxmlformats.org/markup-compatibility/2006" xmlns:a14="http://schemas.microsoft.com/office/drawing/2010/main">
-        <mc:Choice Requires="a14">
+      <mc:AlternateContent xmlns:mc="http://schemas.openxmlformats.org/markup-compatibility/2006">
+        <mc:Choice xmlns:a14="http://schemas.microsoft.com/office/drawing/2010/main" Requires="a14">
           <p:sp>
             <p:nvSpPr>
               <p:cNvPr id="9" name="TextBox 8">
@@ -11284,7 +11289,7 @@
                           <m:t>|</m:t>
                         </m:r>
                         <m:r>
-                          <a:rPr kumimoji="0" lang="en-US" sz="1800" b="0" i="1" u="none" strike="noStrike" kern="1200" cap="none" spc="0" normalizeH="0" baseline="0" noProof="0">
+                          <a:rPr kumimoji="0" lang="en-US" sz="1800" b="0" i="1" u="none" strike="noStrike" kern="1200" cap="none" spc="0" normalizeH="0" baseline="0" noProof="0" smtClean="0">
                             <a:ln>
                               <a:noFill/>
                             </a:ln>
@@ -11298,7 +11303,7 @@
                             <a:ea typeface="+mn-ea"/>
                             <a:cs typeface="+mn-cs"/>
                           </a:rPr>
-                          <m:t>𝑁</m:t>
+                          <m:t>𝑂</m:t>
                         </m:r>
                         <m:r>
                           <a:rPr kumimoji="0" lang="en-US" sz="1800" b="0" i="1" u="none" strike="noStrike" kern="1200" cap="none" spc="0" normalizeH="0" baseline="0" noProof="0">
@@ -11352,7 +11357,7 @@
                           <m:t>(</m:t>
                         </m:r>
                         <m:r>
-                          <a:rPr kumimoji="0" lang="en-US" sz="1800" b="0" i="1" u="none" strike="noStrike" kern="1200" cap="none" spc="0" normalizeH="0" baseline="0" noProof="0">
+                          <a:rPr kumimoji="0" lang="en-US" sz="1800" b="0" i="1" u="none" strike="noStrike" kern="1200" cap="none" spc="0" normalizeH="0" baseline="0" noProof="0" smtClean="0">
                             <a:ln>
                               <a:noFill/>
                             </a:ln>
@@ -11366,7 +11371,7 @@
                             <a:ea typeface="+mn-ea"/>
                             <a:cs typeface="+mn-cs"/>
                           </a:rPr>
-                          <m:t>𝑁</m:t>
+                          <m:t>𝑂</m:t>
                         </m:r>
                         <m:r>
                           <a:rPr kumimoji="0" lang="en-US" sz="1800" b="0" i="1" u="none" strike="noStrike" kern="1200" cap="none" spc="0" normalizeH="0" baseline="0" noProof="0">
@@ -12332,7 +12337,7 @@
             </p:txBody>
           </p:sp>
         </mc:Choice>
-        <mc:Fallback xmlns="">
+        <mc:Fallback>
           <p:sp>
             <p:nvSpPr>
               <p:cNvPr id="9" name="TextBox 8">
@@ -12358,7 +12363,7 @@
               <a:blipFill>
                 <a:blip r:embed="rId3"/>
                 <a:stretch>
-                  <a:fillRect l="-1306" t="-5714" r="-187" b="-17143"/>
+                  <a:fillRect l="-1306" t="-5714" b="-17143"/>
                 </a:stretch>
               </a:blipFill>
             </p:spPr>
